--- a/04.dubbo_demo/document/dubbo源码分析4-service bean创建与发布.pptx
+++ b/04.dubbo_demo/document/dubbo源码分析4-service bean创建与发布.pptx
@@ -199,7 +199,7 @@
           <a:p>
             <a:fld id="{A24470EC-9BB2-47C0-BC15-E1BE469E1A44}" type="datetimeFigureOut">
               <a:rPr lang="zh-CN" altLang="en-US" smtClean="0"/>
-              <a:t>2016/9/17</a:t>
+              <a:t>2016/10/7</a:t>
             </a:fld>
             <a:endParaRPr lang="zh-CN" altLang="en-US"/>
           </a:p>
@@ -364,7 +364,7 @@
           <a:p>
             <a:fld id="{CBBF4566-D28E-4F21-9CA6-C92C78680512}" type="datetimeFigureOut">
               <a:rPr lang="zh-CN" altLang="en-US" smtClean="0"/>
-              <a:t>2016/9/17</a:t>
+              <a:t>2016/10/7</a:t>
             </a:fld>
             <a:endParaRPr lang="zh-CN" altLang="en-US"/>
           </a:p>
@@ -817,7 +817,7 @@
           <a:p>
             <a:fld id="{FE514A0D-6246-45A0-AFCD-05CB06E3D75A}" type="datetime1">
               <a:rPr lang="zh-CN" altLang="en-US" smtClean="0"/>
-              <a:t>2016/9/17</a:t>
+              <a:t>2016/10/7</a:t>
             </a:fld>
             <a:endParaRPr lang="zh-CN" altLang="en-US" dirty="0"/>
           </a:p>
@@ -982,7 +982,7 @@
           <a:p>
             <a:fld id="{AE5463FA-5733-4E22-A176-CA0F8E59A78F}" type="datetime1">
               <a:rPr lang="zh-CN" altLang="en-US" smtClean="0"/>
-              <a:t>2016/9/17</a:t>
+              <a:t>2016/10/7</a:t>
             </a:fld>
             <a:endParaRPr lang="zh-CN" altLang="en-US"/>
           </a:p>
@@ -1157,7 +1157,7 @@
           <a:p>
             <a:fld id="{AB202E1E-E171-4D05-9995-782F74FA70A7}" type="datetime1">
               <a:rPr lang="zh-CN" altLang="en-US" smtClean="0"/>
-              <a:t>2016/9/17</a:t>
+              <a:t>2016/10/7</a:t>
             </a:fld>
             <a:endParaRPr lang="zh-CN" altLang="en-US"/>
           </a:p>
@@ -1322,7 +1322,7 @@
           <a:p>
             <a:fld id="{B34AA640-87DE-403B-AC78-F6FEE0B57B5D}" type="datetime1">
               <a:rPr lang="zh-CN" altLang="en-US" smtClean="0"/>
-              <a:t>2016/9/17</a:t>
+              <a:t>2016/10/7</a:t>
             </a:fld>
             <a:endParaRPr lang="zh-CN" altLang="en-US"/>
           </a:p>
@@ -1563,7 +1563,7 @@
           <a:p>
             <a:fld id="{A0663606-6224-48AC-A9C3-01536FF5A8D3}" type="datetime1">
               <a:rPr lang="zh-CN" altLang="en-US" smtClean="0"/>
-              <a:t>2016/9/17</a:t>
+              <a:t>2016/10/7</a:t>
             </a:fld>
             <a:endParaRPr lang="zh-CN" altLang="en-US"/>
           </a:p>
@@ -1846,7 +1846,7 @@
           <a:p>
             <a:fld id="{BCFAA94D-CC7D-4797-A37E-F6E45888FFD3}" type="datetime1">
               <a:rPr lang="zh-CN" altLang="en-US" smtClean="0"/>
-              <a:t>2016/9/17</a:t>
+              <a:t>2016/10/7</a:t>
             </a:fld>
             <a:endParaRPr lang="zh-CN" altLang="en-US"/>
           </a:p>
@@ -2263,7 +2263,7 @@
           <a:p>
             <a:fld id="{CB3D4EC1-D5F4-4EA7-BEE4-003887811976}" type="datetime1">
               <a:rPr lang="zh-CN" altLang="en-US" smtClean="0"/>
-              <a:t>2016/9/17</a:t>
+              <a:t>2016/10/7</a:t>
             </a:fld>
             <a:endParaRPr lang="zh-CN" altLang="en-US"/>
           </a:p>
@@ -2376,7 +2376,7 @@
           <a:p>
             <a:fld id="{A3F3B0D5-BEE7-46BD-8C3C-1F24935BD2BA}" type="datetime1">
               <a:rPr lang="zh-CN" altLang="en-US" smtClean="0"/>
-              <a:t>2016/9/17</a:t>
+              <a:t>2016/10/7</a:t>
             </a:fld>
             <a:endParaRPr lang="zh-CN" altLang="en-US"/>
           </a:p>
@@ -2466,7 +2466,7 @@
           <a:p>
             <a:fld id="{BAA94D51-A23F-4C7E-ACB9-F69CEC11A8FE}" type="datetime1">
               <a:rPr lang="zh-CN" altLang="en-US" smtClean="0"/>
-              <a:t>2016/9/17</a:t>
+              <a:t>2016/10/7</a:t>
             </a:fld>
             <a:endParaRPr lang="zh-CN" altLang="en-US"/>
           </a:p>
@@ -2738,7 +2738,7 @@
           <a:p>
             <a:fld id="{2F94AAA0-004A-44A7-9D1C-22721FA89EC0}" type="datetime1">
               <a:rPr lang="zh-CN" altLang="en-US" smtClean="0"/>
-              <a:t>2016/9/17</a:t>
+              <a:t>2016/10/7</a:t>
             </a:fld>
             <a:endParaRPr lang="zh-CN" altLang="en-US"/>
           </a:p>
@@ -2986,7 +2986,7 @@
           <a:p>
             <a:fld id="{F570CB73-500B-46CB-B603-E25A55C666EC}" type="datetime1">
               <a:rPr lang="zh-CN" altLang="en-US" smtClean="0"/>
-              <a:t>2016/9/17</a:t>
+              <a:t>2016/10/7</a:t>
             </a:fld>
             <a:endParaRPr lang="zh-CN" altLang="en-US"/>
           </a:p>
@@ -3208,7 +3208,7 @@
           <a:p>
             <a:fld id="{E708D0EF-A89D-41AA-A2B5-7C45C89333AE}" type="datetime1">
               <a:rPr lang="zh-CN" altLang="en-US" smtClean="0"/>
-              <a:t>2016/9/17</a:t>
+              <a:t>2016/10/7</a:t>
             </a:fld>
             <a:endParaRPr lang="zh-CN" altLang="en-US"/>
           </a:p>
@@ -3654,12 +3654,20 @@
               <a:t>Chenxiaguang</a:t>
             </a:r>
             <a:r>
-              <a:rPr lang="en-US" altLang="zh-CN" dirty="0" smtClean="0">
+              <a:rPr lang="en-US" altLang="zh-CN" smtClean="0">
                 <a:solidFill>
                   <a:srgbClr val="FF9900"/>
                 </a:solidFill>
               </a:rPr>
-              <a:t> 20120917</a:t>
+              <a:t> </a:t>
+            </a:r>
+            <a:r>
+              <a:rPr lang="en-US" altLang="zh-CN" smtClean="0">
+                <a:solidFill>
+                  <a:srgbClr val="FF9900"/>
+                </a:solidFill>
+              </a:rPr>
+              <a:t>20160917</a:t>
             </a:r>
             <a:endParaRPr lang="zh-CN" altLang="en-US" dirty="0">
               <a:solidFill>
@@ -3686,7 +3694,7 @@
           <a:p>
             <a:fld id="{DC0212C2-3CC8-4688-A0F8-3B0C9C548618}" type="datetime1">
               <a:rPr lang="zh-CN" altLang="en-US" smtClean="0"/>
-              <a:t>2016/9/17</a:t>
+              <a:t>2016/10/7</a:t>
             </a:fld>
             <a:endParaRPr lang="zh-CN" altLang="en-US" dirty="0"/>
           </a:p>
@@ -4080,7 +4088,7 @@
           <a:p>
             <a:fld id="{F629F6AB-3691-433D-BBEF-24AA07226D91}" type="datetime1">
               <a:rPr lang="zh-CN" altLang="en-US" smtClean="0"/>
-              <a:t>2016/9/17</a:t>
+              <a:t>2016/10/7</a:t>
             </a:fld>
             <a:endParaRPr lang="zh-CN" altLang="en-US"/>
           </a:p>
@@ -4434,7 +4442,7 @@
           <a:p>
             <a:fld id="{557789A7-3DFC-4B6C-A6B9-303C865EBBAF}" type="datetime1">
               <a:rPr lang="zh-CN" altLang="en-US" smtClean="0"/>
-              <a:t>2016/9/17</a:t>
+              <a:t>2016/10/7</a:t>
             </a:fld>
             <a:endParaRPr lang="zh-CN" altLang="en-US"/>
           </a:p>
@@ -4569,7 +4577,7 @@
           <a:p>
             <a:fld id="{B34AA640-87DE-403B-AC78-F6FEE0B57B5D}" type="datetime1">
               <a:rPr lang="zh-CN" altLang="en-US" smtClean="0"/>
-              <a:t>2016/9/17</a:t>
+              <a:t>2016/10/7</a:t>
             </a:fld>
             <a:endParaRPr lang="zh-CN" altLang="en-US"/>
           </a:p>
@@ -4691,7 +4699,7 @@
           <a:p>
             <a:fld id="{B34AA640-87DE-403B-AC78-F6FEE0B57B5D}" type="datetime1">
               <a:rPr lang="zh-CN" altLang="en-US" smtClean="0"/>
-              <a:t>2016/9/17</a:t>
+              <a:t>2016/10/7</a:t>
             </a:fld>
             <a:endParaRPr lang="zh-CN" altLang="en-US"/>
           </a:p>
